--- a/HotelCalifornia/Hotel_California_Solo.pptx
+++ b/HotelCalifornia/Hotel_California_Solo.pptx
@@ -244,7 +244,7 @@
           <a:p>
             <a:fld id="{20C4091B-B1A9-47E7-8E17-9ECD1C021906}" type="datetimeFigureOut">
               <a:rPr lang="ko-KR" altLang="en-US" smtClean="0"/>
-              <a:t>2024-05-02</a:t>
+              <a:t>2024-05-03</a:t>
             </a:fld>
             <a:endParaRPr lang="ko-KR" altLang="en-US"/>
           </a:p>
@@ -414,7 +414,7 @@
           <a:p>
             <a:fld id="{20C4091B-B1A9-47E7-8E17-9ECD1C021906}" type="datetimeFigureOut">
               <a:rPr lang="ko-KR" altLang="en-US" smtClean="0"/>
-              <a:t>2024-05-02</a:t>
+              <a:t>2024-05-03</a:t>
             </a:fld>
             <a:endParaRPr lang="ko-KR" altLang="en-US"/>
           </a:p>
@@ -594,7 +594,7 @@
           <a:p>
             <a:fld id="{20C4091B-B1A9-47E7-8E17-9ECD1C021906}" type="datetimeFigureOut">
               <a:rPr lang="ko-KR" altLang="en-US" smtClean="0"/>
-              <a:t>2024-05-02</a:t>
+              <a:t>2024-05-03</a:t>
             </a:fld>
             <a:endParaRPr lang="ko-KR" altLang="en-US"/>
           </a:p>
@@ -764,7 +764,7 @@
           <a:p>
             <a:fld id="{20C4091B-B1A9-47E7-8E17-9ECD1C021906}" type="datetimeFigureOut">
               <a:rPr lang="ko-KR" altLang="en-US" smtClean="0"/>
-              <a:t>2024-05-02</a:t>
+              <a:t>2024-05-03</a:t>
             </a:fld>
             <a:endParaRPr lang="ko-KR" altLang="en-US"/>
           </a:p>
@@ -1008,7 +1008,7 @@
           <a:p>
             <a:fld id="{20C4091B-B1A9-47E7-8E17-9ECD1C021906}" type="datetimeFigureOut">
               <a:rPr lang="ko-KR" altLang="en-US" smtClean="0"/>
-              <a:t>2024-05-02</a:t>
+              <a:t>2024-05-03</a:t>
             </a:fld>
             <a:endParaRPr lang="ko-KR" altLang="en-US"/>
           </a:p>
@@ -1240,7 +1240,7 @@
           <a:p>
             <a:fld id="{20C4091B-B1A9-47E7-8E17-9ECD1C021906}" type="datetimeFigureOut">
               <a:rPr lang="ko-KR" altLang="en-US" smtClean="0"/>
-              <a:t>2024-05-02</a:t>
+              <a:t>2024-05-03</a:t>
             </a:fld>
             <a:endParaRPr lang="ko-KR" altLang="en-US"/>
           </a:p>
@@ -1607,7 +1607,7 @@
           <a:p>
             <a:fld id="{20C4091B-B1A9-47E7-8E17-9ECD1C021906}" type="datetimeFigureOut">
               <a:rPr lang="ko-KR" altLang="en-US" smtClean="0"/>
-              <a:t>2024-05-02</a:t>
+              <a:t>2024-05-03</a:t>
             </a:fld>
             <a:endParaRPr lang="ko-KR" altLang="en-US"/>
           </a:p>
@@ -1725,7 +1725,7 @@
           <a:p>
             <a:fld id="{20C4091B-B1A9-47E7-8E17-9ECD1C021906}" type="datetimeFigureOut">
               <a:rPr lang="ko-KR" altLang="en-US" smtClean="0"/>
-              <a:t>2024-05-02</a:t>
+              <a:t>2024-05-03</a:t>
             </a:fld>
             <a:endParaRPr lang="ko-KR" altLang="en-US"/>
           </a:p>
@@ -1820,7 +1820,7 @@
           <a:p>
             <a:fld id="{20C4091B-B1A9-47E7-8E17-9ECD1C021906}" type="datetimeFigureOut">
               <a:rPr lang="ko-KR" altLang="en-US" smtClean="0"/>
-              <a:t>2024-05-02</a:t>
+              <a:t>2024-05-03</a:t>
             </a:fld>
             <a:endParaRPr lang="ko-KR" altLang="en-US"/>
           </a:p>
@@ -2097,7 +2097,7 @@
           <a:p>
             <a:fld id="{20C4091B-B1A9-47E7-8E17-9ECD1C021906}" type="datetimeFigureOut">
               <a:rPr lang="ko-KR" altLang="en-US" smtClean="0"/>
-              <a:t>2024-05-02</a:t>
+              <a:t>2024-05-03</a:t>
             </a:fld>
             <a:endParaRPr lang="ko-KR" altLang="en-US"/>
           </a:p>
@@ -2354,7 +2354,7 @@
           <a:p>
             <a:fld id="{20C4091B-B1A9-47E7-8E17-9ECD1C021906}" type="datetimeFigureOut">
               <a:rPr lang="ko-KR" altLang="en-US" smtClean="0"/>
-              <a:t>2024-05-02</a:t>
+              <a:t>2024-05-03</a:t>
             </a:fld>
             <a:endParaRPr lang="ko-KR" altLang="en-US"/>
           </a:p>
@@ -2567,7 +2567,7 @@
           <a:p>
             <a:fld id="{20C4091B-B1A9-47E7-8E17-9ECD1C021906}" type="datetimeFigureOut">
               <a:rPr lang="ko-KR" altLang="en-US" smtClean="0"/>
-              <a:t>2024-05-02</a:t>
+              <a:t>2024-05-03</a:t>
             </a:fld>
             <a:endParaRPr lang="ko-KR" altLang="en-US"/>
           </a:p>
@@ -3924,6 +3924,59 @@
           </a:prstGeom>
         </p:spPr>
       </p:pic>
+      <p:sp>
+        <p:nvSpPr>
+          <p:cNvPr id="3" name="TextBox 2">
+            <a:extLst>
+              <a:ext uri="{FF2B5EF4-FFF2-40B4-BE49-F238E27FC236}">
+                <a16:creationId xmlns:a16="http://schemas.microsoft.com/office/drawing/2014/main" id="{51FA1A28-A61E-8AC8-A44E-C9001E89AC7D}"/>
+              </a:ext>
+            </a:extLst>
+          </p:cNvPr>
+          <p:cNvSpPr txBox="1"/>
+          <p:nvPr/>
+        </p:nvSpPr>
+        <p:spPr>
+          <a:xfrm>
+            <a:off x="1628352" y="329852"/>
+            <a:ext cx="3429000" cy="369332"/>
+          </a:xfrm>
+          <a:prstGeom prst="rect">
+            <a:avLst/>
+          </a:prstGeom>
+          <a:noFill/>
+        </p:spPr>
+        <p:txBody>
+          <a:bodyPr wrap="square">
+            <a:spAutoFit/>
+          </a:bodyPr>
+          <a:lstStyle/>
+          <a:p>
+            <a:pPr algn="ctr"/>
+            <a:r>
+              <a:rPr lang="ko-KR" altLang="en-US" dirty="0" err="1"/>
+              <a:t>Hotel</a:t>
+            </a:r>
+            <a:r>
+              <a:rPr lang="ko-KR" altLang="en-US" dirty="0"/>
+              <a:t> </a:t>
+            </a:r>
+            <a:r>
+              <a:rPr lang="ko-KR" altLang="en-US" dirty="0" err="1"/>
+              <a:t>California</a:t>
+            </a:r>
+            <a:r>
+              <a:rPr lang="ko-KR" altLang="en-US" dirty="0"/>
+              <a:t> </a:t>
+            </a:r>
+            <a:r>
+              <a:rPr lang="en-US" altLang="ko-KR" dirty="0"/>
+              <a:t>Guitar Solo</a:t>
+            </a:r>
+            <a:endParaRPr lang="ko-KR" altLang="en-US" dirty="0"/>
+          </a:p>
+        </p:txBody>
+      </p:sp>
     </p:spTree>
     <p:extLst>
       <p:ext uri="{BB962C8B-B14F-4D97-AF65-F5344CB8AC3E}">

--- a/HotelCalifornia/Hotel_California_Solo.pptx
+++ b/HotelCalifornia/Hotel_California_Solo.pptx
@@ -244,7 +244,7 @@
           <a:p>
             <a:fld id="{20C4091B-B1A9-47E7-8E17-9ECD1C021906}" type="datetimeFigureOut">
               <a:rPr lang="ko-KR" altLang="en-US" smtClean="0"/>
-              <a:t>2024-05-03</a:t>
+              <a:t>2024-05-09</a:t>
             </a:fld>
             <a:endParaRPr lang="ko-KR" altLang="en-US"/>
           </a:p>
@@ -414,7 +414,7 @@
           <a:p>
             <a:fld id="{20C4091B-B1A9-47E7-8E17-9ECD1C021906}" type="datetimeFigureOut">
               <a:rPr lang="ko-KR" altLang="en-US" smtClean="0"/>
-              <a:t>2024-05-03</a:t>
+              <a:t>2024-05-09</a:t>
             </a:fld>
             <a:endParaRPr lang="ko-KR" altLang="en-US"/>
           </a:p>
@@ -594,7 +594,7 @@
           <a:p>
             <a:fld id="{20C4091B-B1A9-47E7-8E17-9ECD1C021906}" type="datetimeFigureOut">
               <a:rPr lang="ko-KR" altLang="en-US" smtClean="0"/>
-              <a:t>2024-05-03</a:t>
+              <a:t>2024-05-09</a:t>
             </a:fld>
             <a:endParaRPr lang="ko-KR" altLang="en-US"/>
           </a:p>
@@ -764,7 +764,7 @@
           <a:p>
             <a:fld id="{20C4091B-B1A9-47E7-8E17-9ECD1C021906}" type="datetimeFigureOut">
               <a:rPr lang="ko-KR" altLang="en-US" smtClean="0"/>
-              <a:t>2024-05-03</a:t>
+              <a:t>2024-05-09</a:t>
             </a:fld>
             <a:endParaRPr lang="ko-KR" altLang="en-US"/>
           </a:p>
@@ -1008,7 +1008,7 @@
           <a:p>
             <a:fld id="{20C4091B-B1A9-47E7-8E17-9ECD1C021906}" type="datetimeFigureOut">
               <a:rPr lang="ko-KR" altLang="en-US" smtClean="0"/>
-              <a:t>2024-05-03</a:t>
+              <a:t>2024-05-09</a:t>
             </a:fld>
             <a:endParaRPr lang="ko-KR" altLang="en-US"/>
           </a:p>
@@ -1240,7 +1240,7 @@
           <a:p>
             <a:fld id="{20C4091B-B1A9-47E7-8E17-9ECD1C021906}" type="datetimeFigureOut">
               <a:rPr lang="ko-KR" altLang="en-US" smtClean="0"/>
-              <a:t>2024-05-03</a:t>
+              <a:t>2024-05-09</a:t>
             </a:fld>
             <a:endParaRPr lang="ko-KR" altLang="en-US"/>
           </a:p>
@@ -1607,7 +1607,7 @@
           <a:p>
             <a:fld id="{20C4091B-B1A9-47E7-8E17-9ECD1C021906}" type="datetimeFigureOut">
               <a:rPr lang="ko-KR" altLang="en-US" smtClean="0"/>
-              <a:t>2024-05-03</a:t>
+              <a:t>2024-05-09</a:t>
             </a:fld>
             <a:endParaRPr lang="ko-KR" altLang="en-US"/>
           </a:p>
@@ -1725,7 +1725,7 @@
           <a:p>
             <a:fld id="{20C4091B-B1A9-47E7-8E17-9ECD1C021906}" type="datetimeFigureOut">
               <a:rPr lang="ko-KR" altLang="en-US" smtClean="0"/>
-              <a:t>2024-05-03</a:t>
+              <a:t>2024-05-09</a:t>
             </a:fld>
             <a:endParaRPr lang="ko-KR" altLang="en-US"/>
           </a:p>
@@ -1820,7 +1820,7 @@
           <a:p>
             <a:fld id="{20C4091B-B1A9-47E7-8E17-9ECD1C021906}" type="datetimeFigureOut">
               <a:rPr lang="ko-KR" altLang="en-US" smtClean="0"/>
-              <a:t>2024-05-03</a:t>
+              <a:t>2024-05-09</a:t>
             </a:fld>
             <a:endParaRPr lang="ko-KR" altLang="en-US"/>
           </a:p>
@@ -2097,7 +2097,7 @@
           <a:p>
             <a:fld id="{20C4091B-B1A9-47E7-8E17-9ECD1C021906}" type="datetimeFigureOut">
               <a:rPr lang="ko-KR" altLang="en-US" smtClean="0"/>
-              <a:t>2024-05-03</a:t>
+              <a:t>2024-05-09</a:t>
             </a:fld>
             <a:endParaRPr lang="ko-KR" altLang="en-US"/>
           </a:p>
@@ -2354,7 +2354,7 @@
           <a:p>
             <a:fld id="{20C4091B-B1A9-47E7-8E17-9ECD1C021906}" type="datetimeFigureOut">
               <a:rPr lang="ko-KR" altLang="en-US" smtClean="0"/>
-              <a:t>2024-05-03</a:t>
+              <a:t>2024-05-09</a:t>
             </a:fld>
             <a:endParaRPr lang="ko-KR" altLang="en-US"/>
           </a:p>
@@ -2567,7 +2567,7 @@
           <a:p>
             <a:fld id="{20C4091B-B1A9-47E7-8E17-9ECD1C021906}" type="datetimeFigureOut">
               <a:rPr lang="ko-KR" altLang="en-US" smtClean="0"/>
-              <a:t>2024-05-03</a:t>
+              <a:t>2024-05-09</a:t>
             </a:fld>
             <a:endParaRPr lang="ko-KR" altLang="en-US"/>
           </a:p>
@@ -3356,7 +3356,7 @@
         </p:nvCxnSpPr>
         <p:spPr>
           <a:xfrm>
-            <a:off x="95250" y="7452356"/>
+            <a:off x="-709613" y="7452356"/>
             <a:ext cx="6657975" cy="0"/>
           </a:xfrm>
           <a:prstGeom prst="line">
@@ -3478,104 +3478,12 @@
           </a:fontRef>
         </p:style>
       </p:cxnSp>
-      <p:grpSp>
-        <p:nvGrpSpPr>
-          <p:cNvPr id="82" name="그룹 81">
-            <a:extLst>
-              <a:ext uri="{FF2B5EF4-FFF2-40B4-BE49-F238E27FC236}">
-                <a16:creationId xmlns:a16="http://schemas.microsoft.com/office/drawing/2014/main" id="{25FAAF2C-1EBB-6703-077F-2708A56A56EB}"/>
-              </a:ext>
-            </a:extLst>
-          </p:cNvPr>
-          <p:cNvGrpSpPr/>
-          <p:nvPr/>
-        </p:nvGrpSpPr>
-        <p:grpSpPr>
-          <a:xfrm>
-            <a:off x="366361" y="7216461"/>
-            <a:ext cx="3828294" cy="684141"/>
-            <a:chOff x="201280" y="4163251"/>
-            <a:chExt cx="2022261" cy="361391"/>
-          </a:xfrm>
-        </p:grpSpPr>
-        <p:pic>
-          <p:nvPicPr>
-            <p:cNvPr id="27" name="그림 26">
-              <a:extLst>
-                <a:ext uri="{FF2B5EF4-FFF2-40B4-BE49-F238E27FC236}">
-                  <a16:creationId xmlns:a16="http://schemas.microsoft.com/office/drawing/2014/main" id="{A14507DB-119F-7CCC-27E9-24E67078C7F3}"/>
-                </a:ext>
-              </a:extLst>
-            </p:cNvPr>
-            <p:cNvPicPr>
-              <a:picLocks noChangeAspect="1"/>
-            </p:cNvPicPr>
-            <p:nvPr/>
-          </p:nvPicPr>
-          <p:blipFill>
-            <a:blip r:embed="rId2">
-              <a:extLst>
-                <a:ext uri="{28A0092B-C50C-407E-A947-70E740481C1C}">
-                  <a14:useLocalDpi xmlns:a14="http://schemas.microsoft.com/office/drawing/2010/main" val="0"/>
-                </a:ext>
-              </a:extLst>
-            </a:blip>
-            <a:stretch>
-              <a:fillRect/>
-            </a:stretch>
-          </p:blipFill>
-          <p:spPr>
-            <a:xfrm>
-              <a:off x="201280" y="4163251"/>
-              <a:ext cx="836775" cy="361390"/>
-            </a:xfrm>
-            <a:prstGeom prst="rect">
-              <a:avLst/>
-            </a:prstGeom>
-          </p:spPr>
-        </p:pic>
-        <p:pic>
-          <p:nvPicPr>
-            <p:cNvPr id="29" name="그림 28">
-              <a:extLst>
-                <a:ext uri="{FF2B5EF4-FFF2-40B4-BE49-F238E27FC236}">
-                  <a16:creationId xmlns:a16="http://schemas.microsoft.com/office/drawing/2014/main" id="{F1E2C72D-D103-E9BF-3811-D1876F39CF71}"/>
-                </a:ext>
-              </a:extLst>
-            </p:cNvPr>
-            <p:cNvPicPr>
-              <a:picLocks noChangeAspect="1"/>
-            </p:cNvPicPr>
-            <p:nvPr/>
-          </p:nvPicPr>
-          <p:blipFill rotWithShape="1">
-            <a:blip r:embed="rId3">
-              <a:extLst>
-                <a:ext uri="{28A0092B-C50C-407E-A947-70E740481C1C}">
-                  <a14:useLocalDpi xmlns:a14="http://schemas.microsoft.com/office/drawing/2010/main" val="0"/>
-                </a:ext>
-              </a:extLst>
-            </a:blip>
-            <a:srcRect b="15754"/>
-            <a:stretch/>
-          </p:blipFill>
-          <p:spPr>
-            <a:xfrm>
-              <a:off x="1038055" y="4163252"/>
-              <a:ext cx="1185486" cy="361390"/>
-            </a:xfrm>
-            <a:prstGeom prst="rect">
-              <a:avLst/>
-            </a:prstGeom>
-          </p:spPr>
-        </p:pic>
-      </p:grpSp>
       <p:pic>
         <p:nvPicPr>
-          <p:cNvPr id="31" name="그림 30">
+          <p:cNvPr id="29" name="그림 28">
             <a:extLst>
               <a:ext uri="{FF2B5EF4-FFF2-40B4-BE49-F238E27FC236}">
-                <a16:creationId xmlns:a16="http://schemas.microsoft.com/office/drawing/2014/main" id="{58F1E5E6-1139-F602-B663-063BD608CD9A}"/>
+                <a16:creationId xmlns:a16="http://schemas.microsoft.com/office/drawing/2014/main" id="{F1E2C72D-D103-E9BF-3811-D1876F39CF71}"/>
               </a:ext>
             </a:extLst>
           </p:cNvPr>
@@ -3585,20 +3493,20 @@
           <p:nvPr/>
         </p:nvPicPr>
         <p:blipFill rotWithShape="1">
-          <a:blip r:embed="rId4">
+          <a:blip r:embed="rId2">
             <a:extLst>
               <a:ext uri="{28A0092B-C50C-407E-A947-70E740481C1C}">
                 <a14:useLocalDpi xmlns:a14="http://schemas.microsoft.com/office/drawing/2010/main" val="0"/>
               </a:ext>
             </a:extLst>
           </a:blip>
-          <a:srcRect t="2569" b="20222"/>
+          <a:srcRect b="15754"/>
           <a:stretch/>
         </p:blipFill>
         <p:spPr>
           <a:xfrm>
-            <a:off x="366361" y="8008140"/>
-            <a:ext cx="4398558" cy="679576"/>
+            <a:off x="356736" y="7997323"/>
+            <a:ext cx="2244215" cy="684139"/>
           </a:xfrm>
           <a:prstGeom prst="rect">
             <a:avLst/>
@@ -3607,10 +3515,10 @@
       </p:pic>
       <p:pic>
         <p:nvPicPr>
-          <p:cNvPr id="33" name="그림 32">
+          <p:cNvPr id="31" name="그림 30">
             <a:extLst>
               <a:ext uri="{FF2B5EF4-FFF2-40B4-BE49-F238E27FC236}">
-                <a16:creationId xmlns:a16="http://schemas.microsoft.com/office/drawing/2014/main" id="{64F30C10-D04B-351D-6CC9-3A643F1E2765}"/>
+                <a16:creationId xmlns:a16="http://schemas.microsoft.com/office/drawing/2014/main" id="{58F1E5E6-1139-F602-B663-063BD608CD9A}"/>
               </a:ext>
             </a:extLst>
           </p:cNvPr>
@@ -3620,20 +3528,20 @@
           <p:nvPr/>
         </p:nvPicPr>
         <p:blipFill rotWithShape="1">
-          <a:blip r:embed="rId5">
+          <a:blip r:embed="rId3">
             <a:extLst>
               <a:ext uri="{28A0092B-C50C-407E-A947-70E740481C1C}">
                 <a14:useLocalDpi xmlns:a14="http://schemas.microsoft.com/office/drawing/2010/main" val="0"/>
               </a:ext>
             </a:extLst>
           </a:blip>
-          <a:srcRect b="7230"/>
+          <a:srcRect t="2569" b="20222"/>
           <a:stretch/>
         </p:blipFill>
         <p:spPr>
           <a:xfrm>
-            <a:off x="366361" y="8795255"/>
-            <a:ext cx="4116971" cy="805945"/>
+            <a:off x="366361" y="8789000"/>
+            <a:ext cx="4398558" cy="679576"/>
           </a:xfrm>
           <a:prstGeom prst="rect">
             <a:avLst/>
@@ -3655,7 +3563,7 @@
           <p:nvPr/>
         </p:nvPicPr>
         <p:blipFill>
-          <a:blip r:embed="rId6">
+          <a:blip r:embed="rId4">
             <a:extLst>
               <a:ext uri="{28A0092B-C50C-407E-A947-70E740481C1C}">
                 <a14:useLocalDpi xmlns:a14="http://schemas.microsoft.com/office/drawing/2010/main" val="0"/>
@@ -3691,7 +3599,7 @@
           <p:nvPr/>
         </p:nvPicPr>
         <p:blipFill>
-          <a:blip r:embed="rId7">
+          <a:blip r:embed="rId5">
             <a:extLst>
               <a:ext uri="{28A0092B-C50C-407E-A947-70E740481C1C}">
                 <a14:useLocalDpi xmlns:a14="http://schemas.microsoft.com/office/drawing/2010/main" val="0"/>
@@ -3718,6 +3626,76 @@
             <a:extLst>
               <a:ext uri="{FF2B5EF4-FFF2-40B4-BE49-F238E27FC236}">
                 <a16:creationId xmlns:a16="http://schemas.microsoft.com/office/drawing/2014/main" id="{E4DAD863-BD28-9DF9-3304-299A30721E2C}"/>
+              </a:ext>
+            </a:extLst>
+          </p:cNvPr>
+          <p:cNvPicPr>
+            <a:picLocks noChangeAspect="1"/>
+          </p:cNvPicPr>
+          <p:nvPr/>
+        </p:nvPicPr>
+        <p:blipFill rotWithShape="1">
+          <a:blip r:embed="rId6">
+            <a:extLst>
+              <a:ext uri="{28A0092B-C50C-407E-A947-70E740481C1C}">
+                <a14:useLocalDpi xmlns:a14="http://schemas.microsoft.com/office/drawing/2010/main" val="0"/>
+              </a:ext>
+            </a:extLst>
+          </a:blip>
+          <a:srcRect b="1027"/>
+          <a:stretch/>
+        </p:blipFill>
+        <p:spPr>
+          <a:xfrm>
+            <a:off x="366361" y="2511723"/>
+            <a:ext cx="4690991" cy="777034"/>
+          </a:xfrm>
+          <a:prstGeom prst="rect">
+            <a:avLst/>
+          </a:prstGeom>
+        </p:spPr>
+      </p:pic>
+      <p:pic>
+        <p:nvPicPr>
+          <p:cNvPr id="65" name="그림 64">
+            <a:extLst>
+              <a:ext uri="{FF2B5EF4-FFF2-40B4-BE49-F238E27FC236}">
+                <a16:creationId xmlns:a16="http://schemas.microsoft.com/office/drawing/2014/main" id="{F0613932-FB9D-7DE3-C1AF-70EF3DA28D6C}"/>
+              </a:ext>
+            </a:extLst>
+          </p:cNvPr>
+          <p:cNvPicPr>
+            <a:picLocks noChangeAspect="1"/>
+          </p:cNvPicPr>
+          <p:nvPr/>
+        </p:nvPicPr>
+        <p:blipFill rotWithShape="1">
+          <a:blip r:embed="rId7">
+            <a:extLst>
+              <a:ext uri="{28A0092B-C50C-407E-A947-70E740481C1C}">
+                <a14:useLocalDpi xmlns:a14="http://schemas.microsoft.com/office/drawing/2010/main" val="0"/>
+              </a:ext>
+            </a:extLst>
+          </a:blip>
+          <a:srcRect b="9058"/>
+          <a:stretch/>
+        </p:blipFill>
+        <p:spPr>
+          <a:xfrm>
+            <a:off x="366361" y="3294346"/>
+            <a:ext cx="4053818" cy="777034"/>
+          </a:xfrm>
+          <a:prstGeom prst="rect">
+            <a:avLst/>
+          </a:prstGeom>
+        </p:spPr>
+      </p:pic>
+      <p:pic>
+        <p:nvPicPr>
+          <p:cNvPr id="67" name="그림 66">
+            <a:extLst>
+              <a:ext uri="{FF2B5EF4-FFF2-40B4-BE49-F238E27FC236}">
+                <a16:creationId xmlns:a16="http://schemas.microsoft.com/office/drawing/2014/main" id="{3DE4F84D-C64C-FD58-A8C8-AAB971CB4FB4}"/>
               </a:ext>
             </a:extLst>
           </p:cNvPr>
@@ -3734,13 +3712,13 @@
               </a:ext>
             </a:extLst>
           </a:blip>
-          <a:srcRect b="1027"/>
+          <a:srcRect t="10775" b="2442"/>
           <a:stretch/>
         </p:blipFill>
         <p:spPr>
           <a:xfrm>
-            <a:off x="366361" y="2511723"/>
-            <a:ext cx="4690991" cy="777034"/>
+            <a:off x="366361" y="4142398"/>
+            <a:ext cx="3665082" cy="777034"/>
           </a:xfrm>
           <a:prstGeom prst="rect">
             <a:avLst/>
@@ -3749,10 +3727,82 @@
       </p:pic>
       <p:pic>
         <p:nvPicPr>
-          <p:cNvPr id="65" name="그림 64">
+          <p:cNvPr id="6" name="그림 5">
             <a:extLst>
               <a:ext uri="{FF2B5EF4-FFF2-40B4-BE49-F238E27FC236}">
-                <a16:creationId xmlns:a16="http://schemas.microsoft.com/office/drawing/2014/main" id="{F0613932-FB9D-7DE3-C1AF-70EF3DA28D6C}"/>
+                <a16:creationId xmlns:a16="http://schemas.microsoft.com/office/drawing/2014/main" id="{9218D61E-592E-B570-92C2-88662BDCBAF8}"/>
+              </a:ext>
+            </a:extLst>
+          </p:cNvPr>
+          <p:cNvPicPr>
+            <a:picLocks noChangeAspect="1"/>
+          </p:cNvPicPr>
+          <p:nvPr/>
+        </p:nvPicPr>
+        <p:blipFill>
+          <a:blip r:embed="rId9">
+            <a:extLst>
+              <a:ext uri="{28A0092B-C50C-407E-A947-70E740481C1C}">
+                <a14:useLocalDpi xmlns:a14="http://schemas.microsoft.com/office/drawing/2010/main" val="0"/>
+              </a:ext>
+            </a:extLst>
+          </a:blip>
+          <a:stretch>
+            <a:fillRect/>
+          </a:stretch>
+        </p:blipFill>
+        <p:spPr>
+          <a:xfrm>
+            <a:off x="366361" y="4912671"/>
+            <a:ext cx="4427895" cy="779996"/>
+          </a:xfrm>
+          <a:prstGeom prst="rect">
+            <a:avLst/>
+          </a:prstGeom>
+        </p:spPr>
+      </p:pic>
+      <p:pic>
+        <p:nvPicPr>
+          <p:cNvPr id="13" name="그림 12">
+            <a:extLst>
+              <a:ext uri="{FF2B5EF4-FFF2-40B4-BE49-F238E27FC236}">
+                <a16:creationId xmlns:a16="http://schemas.microsoft.com/office/drawing/2014/main" id="{06F0E1EA-03F7-EE3E-AFEC-683DF9E94539}"/>
+              </a:ext>
+            </a:extLst>
+          </p:cNvPr>
+          <p:cNvPicPr>
+            <a:picLocks noChangeAspect="1"/>
+          </p:cNvPicPr>
+          <p:nvPr/>
+        </p:nvPicPr>
+        <p:blipFill>
+          <a:blip r:embed="rId10">
+            <a:extLst>
+              <a:ext uri="{28A0092B-C50C-407E-A947-70E740481C1C}">
+                <a14:useLocalDpi xmlns:a14="http://schemas.microsoft.com/office/drawing/2010/main" val="0"/>
+              </a:ext>
+            </a:extLst>
+          </a:blip>
+          <a:stretch>
+            <a:fillRect/>
+          </a:stretch>
+        </p:blipFill>
+        <p:spPr>
+          <a:xfrm>
+            <a:off x="366361" y="5679556"/>
+            <a:ext cx="4054670" cy="779745"/>
+          </a:xfrm>
+          <a:prstGeom prst="rect">
+            <a:avLst/>
+          </a:prstGeom>
+        </p:spPr>
+      </p:pic>
+      <p:pic>
+        <p:nvPicPr>
+          <p:cNvPr id="25" name="그림 24">
+            <a:extLst>
+              <a:ext uri="{FF2B5EF4-FFF2-40B4-BE49-F238E27FC236}">
+                <a16:creationId xmlns:a16="http://schemas.microsoft.com/office/drawing/2014/main" id="{760236C3-A7C3-678A-742C-6733137E1DA7}"/>
               </a:ext>
             </a:extLst>
           </p:cNvPr>
@@ -3762,103 +3812,85 @@
           <p:nvPr/>
         </p:nvPicPr>
         <p:blipFill rotWithShape="1">
-          <a:blip r:embed="rId9">
+          <a:blip r:embed="rId11">
             <a:extLst>
               <a:ext uri="{28A0092B-C50C-407E-A947-70E740481C1C}">
                 <a14:useLocalDpi xmlns:a14="http://schemas.microsoft.com/office/drawing/2010/main" val="0"/>
               </a:ext>
             </a:extLst>
           </a:blip>
-          <a:srcRect b="9058"/>
+          <a:srcRect t="5508" b="10118"/>
           <a:stretch/>
         </p:blipFill>
         <p:spPr>
           <a:xfrm>
-            <a:off x="366361" y="3294346"/>
-            <a:ext cx="4053818" cy="777034"/>
+            <a:off x="366361" y="6458889"/>
+            <a:ext cx="5012795" cy="777034"/>
           </a:xfrm>
           <a:prstGeom prst="rect">
             <a:avLst/>
           </a:prstGeom>
         </p:spPr>
       </p:pic>
-      <p:pic>
-        <p:nvPicPr>
-          <p:cNvPr id="67" name="그림 66">
+      <p:sp>
+        <p:nvSpPr>
+          <p:cNvPr id="3" name="TextBox 2">
             <a:extLst>
               <a:ext uri="{FF2B5EF4-FFF2-40B4-BE49-F238E27FC236}">
-                <a16:creationId xmlns:a16="http://schemas.microsoft.com/office/drawing/2014/main" id="{3DE4F84D-C64C-FD58-A8C8-AAB971CB4FB4}"/>
+                <a16:creationId xmlns:a16="http://schemas.microsoft.com/office/drawing/2014/main" id="{51FA1A28-A61E-8AC8-A44E-C9001E89AC7D}"/>
               </a:ext>
             </a:extLst>
           </p:cNvPr>
-          <p:cNvPicPr>
-            <a:picLocks noChangeAspect="1"/>
-          </p:cNvPicPr>
+          <p:cNvSpPr txBox="1"/>
           <p:nvPr/>
-        </p:nvPicPr>
-        <p:blipFill rotWithShape="1">
-          <a:blip r:embed="rId10">
-            <a:extLst>
-              <a:ext uri="{28A0092B-C50C-407E-A947-70E740481C1C}">
-                <a14:useLocalDpi xmlns:a14="http://schemas.microsoft.com/office/drawing/2010/main" val="0"/>
-              </a:ext>
-            </a:extLst>
-          </a:blip>
-          <a:srcRect t="10775" b="2442"/>
-          <a:stretch/>
-        </p:blipFill>
-        <p:spPr>
-          <a:xfrm>
-            <a:off x="366361" y="4142398"/>
-            <a:ext cx="3665082" cy="777034"/>
+        </p:nvSpPr>
+        <p:spPr>
+          <a:xfrm>
+            <a:off x="1628352" y="329852"/>
+            <a:ext cx="3429000" cy="369332"/>
           </a:xfrm>
           <a:prstGeom prst="rect">
             <a:avLst/>
           </a:prstGeom>
-        </p:spPr>
-      </p:pic>
+          <a:noFill/>
+        </p:spPr>
+        <p:txBody>
+          <a:bodyPr wrap="square">
+            <a:spAutoFit/>
+          </a:bodyPr>
+          <a:lstStyle/>
+          <a:p>
+            <a:pPr algn="ctr"/>
+            <a:r>
+              <a:rPr lang="ko-KR" altLang="en-US" dirty="0" err="1"/>
+              <a:t>Hotel</a:t>
+            </a:r>
+            <a:r>
+              <a:rPr lang="ko-KR" altLang="en-US" dirty="0"/>
+              <a:t> </a:t>
+            </a:r>
+            <a:r>
+              <a:rPr lang="ko-KR" altLang="en-US" dirty="0" err="1"/>
+              <a:t>California</a:t>
+            </a:r>
+            <a:r>
+              <a:rPr lang="ko-KR" altLang="en-US" dirty="0"/>
+              <a:t> </a:t>
+            </a:r>
+            <a:r>
+              <a:rPr lang="en-US" altLang="ko-KR" dirty="0"/>
+              <a:t>Guitar Solo</a:t>
+            </a:r>
+            <a:endParaRPr lang="ko-KR" altLang="en-US" dirty="0"/>
+          </a:p>
+        </p:txBody>
+      </p:sp>
       <p:pic>
         <p:nvPicPr>
-          <p:cNvPr id="6" name="그림 5">
+          <p:cNvPr id="27" name="그림 26">
             <a:extLst>
               <a:ext uri="{FF2B5EF4-FFF2-40B4-BE49-F238E27FC236}">
-                <a16:creationId xmlns:a16="http://schemas.microsoft.com/office/drawing/2014/main" id="{9218D61E-592E-B570-92C2-88662BDCBAF8}"/>
-              </a:ext>
-            </a:extLst>
-          </p:cNvPr>
-          <p:cNvPicPr>
-            <a:picLocks noChangeAspect="1"/>
-          </p:cNvPicPr>
-          <p:nvPr/>
-        </p:nvPicPr>
-        <p:blipFill>
-          <a:blip r:embed="rId11">
-            <a:extLst>
-              <a:ext uri="{28A0092B-C50C-407E-A947-70E740481C1C}">
-                <a14:useLocalDpi xmlns:a14="http://schemas.microsoft.com/office/drawing/2010/main" val="0"/>
-              </a:ext>
-            </a:extLst>
-          </a:blip>
-          <a:stretch>
-            <a:fillRect/>
-          </a:stretch>
-        </p:blipFill>
-        <p:spPr>
-          <a:xfrm>
-            <a:off x="366361" y="4912671"/>
-            <a:ext cx="4427895" cy="779996"/>
-          </a:xfrm>
-          <a:prstGeom prst="rect">
-            <a:avLst/>
-          </a:prstGeom>
-        </p:spPr>
-      </p:pic>
-      <p:pic>
-        <p:nvPicPr>
-          <p:cNvPr id="13" name="그림 12">
-            <a:extLst>
-              <a:ext uri="{FF2B5EF4-FFF2-40B4-BE49-F238E27FC236}">
-                <a16:creationId xmlns:a16="http://schemas.microsoft.com/office/drawing/2014/main" id="{06F0E1EA-03F7-EE3E-AFEC-683DF9E94539}"/>
+                <a16:creationId xmlns:a16="http://schemas.microsoft.com/office/drawing/2014/main" id="{A14507DB-119F-7CCC-27E9-24E67078C7F3}"/>
               </a:ext>
             </a:extLst>
           </p:cNvPr>
@@ -3881,102 +3913,19 @@
         </p:blipFill>
         <p:spPr>
           <a:xfrm>
-            <a:off x="366361" y="5679556"/>
-            <a:ext cx="4054670" cy="779745"/>
+            <a:off x="3840644" y="7216624"/>
+            <a:ext cx="1584079" cy="684139"/>
           </a:xfrm>
           <a:prstGeom prst="rect">
             <a:avLst/>
           </a:prstGeom>
+          <a:ln>
+            <a:solidFill>
+              <a:srgbClr val="FF0000"/>
+            </a:solidFill>
+          </a:ln>
         </p:spPr>
       </p:pic>
-      <p:pic>
-        <p:nvPicPr>
-          <p:cNvPr id="25" name="그림 24">
-            <a:extLst>
-              <a:ext uri="{FF2B5EF4-FFF2-40B4-BE49-F238E27FC236}">
-                <a16:creationId xmlns:a16="http://schemas.microsoft.com/office/drawing/2014/main" id="{760236C3-A7C3-678A-742C-6733137E1DA7}"/>
-              </a:ext>
-            </a:extLst>
-          </p:cNvPr>
-          <p:cNvPicPr>
-            <a:picLocks noChangeAspect="1"/>
-          </p:cNvPicPr>
-          <p:nvPr/>
-        </p:nvPicPr>
-        <p:blipFill rotWithShape="1">
-          <a:blip r:embed="rId13">
-            <a:extLst>
-              <a:ext uri="{28A0092B-C50C-407E-A947-70E740481C1C}">
-                <a14:useLocalDpi xmlns:a14="http://schemas.microsoft.com/office/drawing/2010/main" val="0"/>
-              </a:ext>
-            </a:extLst>
-          </a:blip>
-          <a:srcRect t="5508" b="10118"/>
-          <a:stretch/>
-        </p:blipFill>
-        <p:spPr>
-          <a:xfrm>
-            <a:off x="366361" y="6458889"/>
-            <a:ext cx="5012795" cy="777034"/>
-          </a:xfrm>
-          <a:prstGeom prst="rect">
-            <a:avLst/>
-          </a:prstGeom>
-        </p:spPr>
-      </p:pic>
-      <p:sp>
-        <p:nvSpPr>
-          <p:cNvPr id="3" name="TextBox 2">
-            <a:extLst>
-              <a:ext uri="{FF2B5EF4-FFF2-40B4-BE49-F238E27FC236}">
-                <a16:creationId xmlns:a16="http://schemas.microsoft.com/office/drawing/2014/main" id="{51FA1A28-A61E-8AC8-A44E-C9001E89AC7D}"/>
-              </a:ext>
-            </a:extLst>
-          </p:cNvPr>
-          <p:cNvSpPr txBox="1"/>
-          <p:nvPr/>
-        </p:nvSpPr>
-        <p:spPr>
-          <a:xfrm>
-            <a:off x="1628352" y="329852"/>
-            <a:ext cx="3429000" cy="369332"/>
-          </a:xfrm>
-          <a:prstGeom prst="rect">
-            <a:avLst/>
-          </a:prstGeom>
-          <a:noFill/>
-        </p:spPr>
-        <p:txBody>
-          <a:bodyPr wrap="square">
-            <a:spAutoFit/>
-          </a:bodyPr>
-          <a:lstStyle/>
-          <a:p>
-            <a:pPr algn="ctr"/>
-            <a:r>
-              <a:rPr lang="ko-KR" altLang="en-US" dirty="0" err="1"/>
-              <a:t>Hotel</a:t>
-            </a:r>
-            <a:r>
-              <a:rPr lang="ko-KR" altLang="en-US" dirty="0"/>
-              <a:t> </a:t>
-            </a:r>
-            <a:r>
-              <a:rPr lang="ko-KR" altLang="en-US" dirty="0" err="1"/>
-              <a:t>California</a:t>
-            </a:r>
-            <a:r>
-              <a:rPr lang="ko-KR" altLang="en-US" dirty="0"/>
-              <a:t> </a:t>
-            </a:r>
-            <a:r>
-              <a:rPr lang="en-US" altLang="ko-KR" dirty="0"/>
-              <a:t>Guitar Solo</a:t>
-            </a:r>
-            <a:endParaRPr lang="ko-KR" altLang="en-US" dirty="0"/>
-          </a:p>
-        </p:txBody>
-      </p:sp>
     </p:spTree>
     <p:extLst>
       <p:ext uri="{BB962C8B-B14F-4D97-AF65-F5344CB8AC3E}">
@@ -4034,7 +3983,7 @@
         </p:blipFill>
         <p:spPr>
           <a:xfrm>
-            <a:off x="302862" y="193876"/>
+            <a:off x="199734" y="1026885"/>
             <a:ext cx="4106558" cy="809975"/>
           </a:xfrm>
           <a:prstGeom prst="rect">
@@ -4069,12 +4018,17 @@
         </p:blipFill>
         <p:spPr>
           <a:xfrm>
-            <a:off x="2633517" y="1028840"/>
+            <a:off x="2408755" y="1803306"/>
             <a:ext cx="4143521" cy="650432"/>
           </a:xfrm>
           <a:prstGeom prst="rect">
             <a:avLst/>
           </a:prstGeom>
+          <a:ln>
+            <a:solidFill>
+              <a:srgbClr val="FF0000"/>
+            </a:solidFill>
+          </a:ln>
         </p:spPr>
       </p:pic>
       <p:pic>
@@ -4104,7 +4058,7 @@
         </p:blipFill>
         <p:spPr>
           <a:xfrm>
-            <a:off x="302862" y="1704261"/>
+            <a:off x="199734" y="2420184"/>
             <a:ext cx="2866493" cy="650843"/>
           </a:xfrm>
           <a:prstGeom prst="rect">
@@ -4114,10 +4068,10 @@
       </p:pic>
       <p:pic>
         <p:nvPicPr>
-          <p:cNvPr id="6" name="그림 5">
+          <p:cNvPr id="8" name="그림 7">
             <a:extLst>
               <a:ext uri="{FF2B5EF4-FFF2-40B4-BE49-F238E27FC236}">
-                <a16:creationId xmlns:a16="http://schemas.microsoft.com/office/drawing/2014/main" id="{633B87CD-D854-FB36-2789-E49CB072D421}"/>
+                <a16:creationId xmlns:a16="http://schemas.microsoft.com/office/drawing/2014/main" id="{13FAFE79-9167-13D0-6DCA-F0213CE3CB2B}"/>
               </a:ext>
             </a:extLst>
           </p:cNvPr>
@@ -4126,7 +4080,7 @@
           </p:cNvPicPr>
           <p:nvPr/>
         </p:nvPicPr>
-        <p:blipFill>
+        <p:blipFill rotWithShape="1">
           <a:blip r:embed="rId5">
             <a:extLst>
               <a:ext uri="{28A0092B-C50C-407E-A947-70E740481C1C}">
@@ -4134,14 +4088,13 @@
               </a:ext>
             </a:extLst>
           </a:blip>
-          <a:stretch>
-            <a:fillRect/>
-          </a:stretch>
+          <a:srcRect t="2199" b="4745"/>
+          <a:stretch/>
         </p:blipFill>
         <p:spPr>
           <a:xfrm>
-            <a:off x="2908131" y="3790128"/>
-            <a:ext cx="3868907" cy="759004"/>
+            <a:off x="199734" y="5055872"/>
+            <a:ext cx="3965653" cy="759004"/>
           </a:xfrm>
           <a:prstGeom prst="rect">
             <a:avLst/>
@@ -4150,10 +4103,10 @@
       </p:pic>
       <p:pic>
         <p:nvPicPr>
-          <p:cNvPr id="8" name="그림 7">
+          <p:cNvPr id="26" name="그림 25">
             <a:extLst>
               <a:ext uri="{FF2B5EF4-FFF2-40B4-BE49-F238E27FC236}">
-                <a16:creationId xmlns:a16="http://schemas.microsoft.com/office/drawing/2014/main" id="{13FAFE79-9167-13D0-6DCA-F0213CE3CB2B}"/>
+                <a16:creationId xmlns:a16="http://schemas.microsoft.com/office/drawing/2014/main" id="{DBC7D4CE-A90C-B3C7-29E5-AB69BF2186FA}"/>
               </a:ext>
             </a:extLst>
           </p:cNvPr>
@@ -4170,13 +4123,13 @@
               </a:ext>
             </a:extLst>
           </a:blip>
-          <a:srcRect t="2199" b="4745"/>
+          <a:srcRect t="1221"/>
           <a:stretch/>
         </p:blipFill>
         <p:spPr>
           <a:xfrm>
-            <a:off x="302862" y="4574120"/>
-            <a:ext cx="3965653" cy="759004"/>
+            <a:off x="199734" y="6569425"/>
+            <a:ext cx="4076489" cy="824382"/>
           </a:xfrm>
           <a:prstGeom prst="rect">
             <a:avLst/>
@@ -4185,10 +4138,10 @@
       </p:pic>
       <p:pic>
         <p:nvPicPr>
-          <p:cNvPr id="25" name="그림 24">
+          <p:cNvPr id="28" name="그림 27">
             <a:extLst>
               <a:ext uri="{FF2B5EF4-FFF2-40B4-BE49-F238E27FC236}">
-                <a16:creationId xmlns:a16="http://schemas.microsoft.com/office/drawing/2014/main" id="{590CA0EA-C47F-8809-C6EE-FC02F482ABB2}"/>
+                <a16:creationId xmlns:a16="http://schemas.microsoft.com/office/drawing/2014/main" id="{00CA83AF-3465-AA0F-CFE0-5A092F7C6A72}"/>
               </a:ext>
             </a:extLst>
           </p:cNvPr>
@@ -4197,7 +4150,7 @@
           </p:cNvPicPr>
           <p:nvPr/>
         </p:nvPicPr>
-        <p:blipFill rotWithShape="1">
+        <p:blipFill>
           <a:blip r:embed="rId7">
             <a:extLst>
               <a:ext uri="{28A0092B-C50C-407E-A947-70E740481C1C}">
@@ -4205,13 +4158,14 @@
               </a:ext>
             </a:extLst>
           </a:blip>
-          <a:srcRect b="9139"/>
-          <a:stretch/>
+          <a:stretch>
+            <a:fillRect/>
+          </a:stretch>
         </p:blipFill>
         <p:spPr>
           <a:xfrm>
-            <a:off x="2745841" y="5358113"/>
-            <a:ext cx="4031197" cy="821657"/>
+            <a:off x="199734" y="8190152"/>
+            <a:ext cx="4134267" cy="857565"/>
           </a:xfrm>
           <a:prstGeom prst="rect">
             <a:avLst/>
@@ -4220,10 +4174,10 @@
       </p:pic>
       <p:pic>
         <p:nvPicPr>
-          <p:cNvPr id="26" name="그림 25">
+          <p:cNvPr id="30" name="그림 29">
             <a:extLst>
               <a:ext uri="{FF2B5EF4-FFF2-40B4-BE49-F238E27FC236}">
-                <a16:creationId xmlns:a16="http://schemas.microsoft.com/office/drawing/2014/main" id="{DBC7D4CE-A90C-B3C7-29E5-AB69BF2186FA}"/>
+                <a16:creationId xmlns:a16="http://schemas.microsoft.com/office/drawing/2014/main" id="{9F617F36-847A-ED49-EBF6-52E3A4AFCA42}"/>
               </a:ext>
             </a:extLst>
           </p:cNvPr>
@@ -4240,13 +4194,13 @@
               </a:ext>
             </a:extLst>
           </a:blip>
-          <a:srcRect t="1221"/>
+          <a:srcRect b="14618"/>
           <a:stretch/>
         </p:blipFill>
         <p:spPr>
           <a:xfrm>
-            <a:off x="302862" y="6204759"/>
-            <a:ext cx="4076489" cy="824382"/>
+            <a:off x="199734" y="3686168"/>
+            <a:ext cx="3978503" cy="677808"/>
           </a:xfrm>
           <a:prstGeom prst="rect">
             <a:avLst/>
@@ -4255,10 +4209,10 @@
       </p:pic>
       <p:pic>
         <p:nvPicPr>
-          <p:cNvPr id="27" name="그림 26">
+          <p:cNvPr id="33" name="그림 32">
             <a:extLst>
               <a:ext uri="{FF2B5EF4-FFF2-40B4-BE49-F238E27FC236}">
-                <a16:creationId xmlns:a16="http://schemas.microsoft.com/office/drawing/2014/main" id="{6A9E8373-254E-D26A-B746-B7C73ADDF64E}"/>
+                <a16:creationId xmlns:a16="http://schemas.microsoft.com/office/drawing/2014/main" id="{64F30C10-D04B-351D-6CC9-3A643F1E2765}"/>
               </a:ext>
             </a:extLst>
           </p:cNvPr>
@@ -4267,7 +4221,7 @@
           </p:cNvPicPr>
           <p:nvPr/>
         </p:nvPicPr>
-        <p:blipFill>
+        <p:blipFill rotWithShape="1">
           <a:blip r:embed="rId9">
             <a:extLst>
               <a:ext uri="{28A0092B-C50C-407E-A947-70E740481C1C}">
@@ -4275,26 +4229,30 @@
               </a:ext>
             </a:extLst>
           </a:blip>
-          <a:stretch>
-            <a:fillRect/>
-          </a:stretch>
+          <a:srcRect b="7230"/>
+          <a:stretch/>
         </p:blipFill>
         <p:spPr>
           <a:xfrm>
-            <a:off x="2636287" y="7054129"/>
-            <a:ext cx="4140751" cy="863453"/>
+            <a:off x="2435305" y="254494"/>
+            <a:ext cx="4116971" cy="805945"/>
           </a:xfrm>
           <a:prstGeom prst="rect">
             <a:avLst/>
           </a:prstGeom>
+          <a:ln>
+            <a:solidFill>
+              <a:srgbClr val="002060"/>
+            </a:solidFill>
+          </a:ln>
         </p:spPr>
       </p:pic>
       <p:pic>
         <p:nvPicPr>
-          <p:cNvPr id="28" name="그림 27">
+          <p:cNvPr id="6" name="그림 5">
             <a:extLst>
               <a:ext uri="{FF2B5EF4-FFF2-40B4-BE49-F238E27FC236}">
-                <a16:creationId xmlns:a16="http://schemas.microsoft.com/office/drawing/2014/main" id="{00CA83AF-3465-AA0F-CFE0-5A092F7C6A72}"/>
+                <a16:creationId xmlns:a16="http://schemas.microsoft.com/office/drawing/2014/main" id="{633B87CD-D854-FB36-2789-E49CB072D421}"/>
               </a:ext>
             </a:extLst>
           </p:cNvPr>
@@ -4317,20 +4275,65 @@
         </p:blipFill>
         <p:spPr>
           <a:xfrm>
-            <a:off x="302862" y="7942570"/>
-            <a:ext cx="4134267" cy="857565"/>
+            <a:off x="2411525" y="4330422"/>
+            <a:ext cx="3868907" cy="759004"/>
           </a:xfrm>
           <a:prstGeom prst="rect">
             <a:avLst/>
           </a:prstGeom>
+          <a:ln>
+            <a:solidFill>
+              <a:srgbClr val="FF0000"/>
+            </a:solidFill>
+          </a:ln>
         </p:spPr>
       </p:pic>
       <p:pic>
         <p:nvPicPr>
-          <p:cNvPr id="29" name="그림 28">
+          <p:cNvPr id="25" name="그림 24">
             <a:extLst>
               <a:ext uri="{FF2B5EF4-FFF2-40B4-BE49-F238E27FC236}">
-                <a16:creationId xmlns:a16="http://schemas.microsoft.com/office/drawing/2014/main" id="{1EFA8B4B-3641-54DC-50E4-B42494794063}"/>
+                <a16:creationId xmlns:a16="http://schemas.microsoft.com/office/drawing/2014/main" id="{590CA0EA-C47F-8809-C6EE-FC02F482ABB2}"/>
+              </a:ext>
+            </a:extLst>
+          </p:cNvPr>
+          <p:cNvPicPr>
+            <a:picLocks noChangeAspect="1"/>
+          </p:cNvPicPr>
+          <p:nvPr/>
+        </p:nvPicPr>
+        <p:blipFill rotWithShape="1">
+          <a:blip r:embed="rId11">
+            <a:extLst>
+              <a:ext uri="{28A0092B-C50C-407E-A947-70E740481C1C}">
+                <a14:useLocalDpi xmlns:a14="http://schemas.microsoft.com/office/drawing/2010/main" val="0"/>
+              </a:ext>
+            </a:extLst>
+          </a:blip>
+          <a:srcRect b="9139"/>
+          <a:stretch/>
+        </p:blipFill>
+        <p:spPr>
+          <a:xfrm>
+            <a:off x="2411525" y="5781322"/>
+            <a:ext cx="4031197" cy="821657"/>
+          </a:xfrm>
+          <a:prstGeom prst="rect">
+            <a:avLst/>
+          </a:prstGeom>
+          <a:ln>
+            <a:solidFill>
+              <a:srgbClr val="FF0000"/>
+            </a:solidFill>
+          </a:ln>
+        </p:spPr>
+      </p:pic>
+      <p:pic>
+        <p:nvPicPr>
+          <p:cNvPr id="27" name="그림 26">
+            <a:extLst>
+              <a:ext uri="{FF2B5EF4-FFF2-40B4-BE49-F238E27FC236}">
+                <a16:creationId xmlns:a16="http://schemas.microsoft.com/office/drawing/2014/main" id="{6A9E8373-254E-D26A-B746-B7C73ADDF64E}"/>
               </a:ext>
             </a:extLst>
           </p:cNvPr>
@@ -4340,7 +4343,7 @@
           <p:nvPr/>
         </p:nvPicPr>
         <p:blipFill>
-          <a:blip r:embed="rId11">
+          <a:blip r:embed="rId12">
             <a:extLst>
               <a:ext uri="{28A0092B-C50C-407E-A947-70E740481C1C}">
                 <a14:useLocalDpi xmlns:a14="http://schemas.microsoft.com/office/drawing/2010/main" val="0"/>
@@ -4353,20 +4356,66 @@
         </p:blipFill>
         <p:spPr>
           <a:xfrm>
-            <a:off x="2479224" y="8825117"/>
-            <a:ext cx="4297814" cy="887006"/>
+            <a:off x="2411525" y="7360253"/>
+            <a:ext cx="4140751" cy="863453"/>
           </a:xfrm>
           <a:prstGeom prst="rect">
             <a:avLst/>
           </a:prstGeom>
+          <a:ln>
+            <a:solidFill>
+              <a:srgbClr val="FF0000"/>
+            </a:solidFill>
+          </a:ln>
         </p:spPr>
       </p:pic>
       <p:pic>
         <p:nvPicPr>
-          <p:cNvPr id="30" name="그림 29">
+          <p:cNvPr id="29" name="그림 28">
             <a:extLst>
               <a:ext uri="{FF2B5EF4-FFF2-40B4-BE49-F238E27FC236}">
-                <a16:creationId xmlns:a16="http://schemas.microsoft.com/office/drawing/2014/main" id="{9F617F36-847A-ED49-EBF6-52E3A4AFCA42}"/>
+                <a16:creationId xmlns:a16="http://schemas.microsoft.com/office/drawing/2014/main" id="{1EFA8B4B-3641-54DC-50E4-B42494794063}"/>
+              </a:ext>
+            </a:extLst>
+          </p:cNvPr>
+          <p:cNvPicPr>
+            <a:picLocks noChangeAspect="1"/>
+          </p:cNvPicPr>
+          <p:nvPr/>
+        </p:nvPicPr>
+        <p:blipFill>
+          <a:blip r:embed="rId13">
+            <a:extLst>
+              <a:ext uri="{28A0092B-C50C-407E-A947-70E740481C1C}">
+                <a14:useLocalDpi xmlns:a14="http://schemas.microsoft.com/office/drawing/2010/main" val="0"/>
+              </a:ext>
+            </a:extLst>
+          </a:blip>
+          <a:stretch>
+            <a:fillRect/>
+          </a:stretch>
+        </p:blipFill>
+        <p:spPr>
+          <a:xfrm>
+            <a:off x="2411525" y="8947484"/>
+            <a:ext cx="4297814" cy="887006"/>
+          </a:xfrm>
+          <a:prstGeom prst="rect">
+            <a:avLst/>
+          </a:prstGeom>
+          <a:ln>
+            <a:solidFill>
+              <a:srgbClr val="FF0000"/>
+            </a:solidFill>
+          </a:ln>
+        </p:spPr>
+      </p:pic>
+      <p:pic>
+        <p:nvPicPr>
+          <p:cNvPr id="31" name="그림 30">
+            <a:extLst>
+              <a:ext uri="{FF2B5EF4-FFF2-40B4-BE49-F238E27FC236}">
+                <a16:creationId xmlns:a16="http://schemas.microsoft.com/office/drawing/2014/main" id="{AB1B4AF2-FD6F-2294-39FE-1C144EFB7A9A}"/>
               </a:ext>
             </a:extLst>
           </p:cNvPr>
@@ -4376,42 +4425,7 @@
           <p:nvPr/>
         </p:nvPicPr>
         <p:blipFill rotWithShape="1">
-          <a:blip r:embed="rId12">
-            <a:extLst>
-              <a:ext uri="{28A0092B-C50C-407E-A947-70E740481C1C}">
-                <a14:useLocalDpi xmlns:a14="http://schemas.microsoft.com/office/drawing/2010/main" val="0"/>
-              </a:ext>
-            </a:extLst>
-          </a:blip>
-          <a:srcRect b="14618"/>
-          <a:stretch/>
-        </p:blipFill>
-        <p:spPr>
-          <a:xfrm>
-            <a:off x="302862" y="3087331"/>
-            <a:ext cx="3978503" cy="677808"/>
-          </a:xfrm>
-          <a:prstGeom prst="rect">
-            <a:avLst/>
-          </a:prstGeom>
-        </p:spPr>
-      </p:pic>
-      <p:pic>
-        <p:nvPicPr>
-          <p:cNvPr id="31" name="그림 30">
-            <a:extLst>
-              <a:ext uri="{FF2B5EF4-FFF2-40B4-BE49-F238E27FC236}">
-                <a16:creationId xmlns:a16="http://schemas.microsoft.com/office/drawing/2014/main" id="{AB1B4AF2-FD6F-2294-39FE-1C144EFB7A9A}"/>
-              </a:ext>
-            </a:extLst>
-          </p:cNvPr>
-          <p:cNvPicPr>
-            <a:picLocks noChangeAspect="1"/>
-          </p:cNvPicPr>
-          <p:nvPr/>
-        </p:nvPicPr>
-        <p:blipFill rotWithShape="1">
-          <a:blip r:embed="rId13">
+          <a:blip r:embed="rId14">
             <a:extLst>
               <a:ext uri="{28A0092B-C50C-407E-A947-70E740481C1C}">
                 <a14:useLocalDpi xmlns:a14="http://schemas.microsoft.com/office/drawing/2010/main" val="0"/>
@@ -4423,12 +4437,17 @@
         </p:blipFill>
         <p:spPr>
           <a:xfrm>
-            <a:off x="4016538" y="2380093"/>
+            <a:off x="2411525" y="3037473"/>
             <a:ext cx="2760500" cy="682249"/>
           </a:xfrm>
           <a:prstGeom prst="rect">
             <a:avLst/>
           </a:prstGeom>
+          <a:ln>
+            <a:solidFill>
+              <a:srgbClr val="FF0000"/>
+            </a:solidFill>
+          </a:ln>
         </p:spPr>
       </p:pic>
     </p:spTree>
